--- a/docs/20191130/3/img/original-img.pptx
+++ b/docs/20191130/3/img/original-img.pptx
@@ -10,6 +10,8 @@
     <p:sldId id="397" r:id="rId4"/>
     <p:sldId id="398" r:id="rId5"/>
     <p:sldId id="399" r:id="rId6"/>
+    <p:sldId id="400" r:id="rId7"/>
+    <p:sldId id="401" r:id="rId8"/>
   </p:sldIdLst>
   <p:sldSz cx="12192000" cy="6858000"/>
   <p:notesSz cx="6858000" cy="9144000"/>
@@ -108,6 +110,11 @@
       </a:defRPr>
     </a:lvl9pPr>
   </p:defaultTextStyle>
+  <p:extLst>
+    <p:ext uri="{EFAFB233-063F-42B5-8137-9DF3F51BA10A}">
+      <p15:sldGuideLst xmlns:p15="http://schemas.microsoft.com/office/powerpoint/2012/main"/>
+    </p:ext>
+  </p:extLst>
 </p:presentation>
 </file>
 
@@ -258,7 +265,7 @@
           <a:p>
             <a:fld id="{32DCAE14-56B8-437E-AA9D-EFB640C0878B}" type="datetimeFigureOut">
               <a:rPr kumimoji="1" lang="ja-JP" altLang="en-US" smtClean="0"/>
-              <a:t>2019/11/10</a:t>
+              <a:t>2019/11/13</a:t>
             </a:fld>
             <a:endParaRPr kumimoji="1" lang="ja-JP" altLang="en-US"/>
           </a:p>
@@ -488,7 +495,7 @@
           <a:p>
             <a:fld id="{32DCAE14-56B8-437E-AA9D-EFB640C0878B}" type="datetimeFigureOut">
               <a:rPr kumimoji="1" lang="ja-JP" altLang="en-US" smtClean="0"/>
-              <a:t>2019/11/10</a:t>
+              <a:t>2019/11/13</a:t>
             </a:fld>
             <a:endParaRPr kumimoji="1" lang="ja-JP" altLang="en-US"/>
           </a:p>
@@ -728,7 +735,7 @@
           <a:p>
             <a:fld id="{32DCAE14-56B8-437E-AA9D-EFB640C0878B}" type="datetimeFigureOut">
               <a:rPr kumimoji="1" lang="ja-JP" altLang="en-US" smtClean="0"/>
-              <a:t>2019/11/10</a:t>
+              <a:t>2019/11/13</a:t>
             </a:fld>
             <a:endParaRPr kumimoji="1" lang="ja-JP" altLang="en-US"/>
           </a:p>
@@ -958,7 +965,7 @@
           <a:p>
             <a:fld id="{32DCAE14-56B8-437E-AA9D-EFB640C0878B}" type="datetimeFigureOut">
               <a:rPr kumimoji="1" lang="ja-JP" altLang="en-US" smtClean="0"/>
-              <a:t>2019/11/10</a:t>
+              <a:t>2019/11/13</a:t>
             </a:fld>
             <a:endParaRPr kumimoji="1" lang="ja-JP" altLang="en-US"/>
           </a:p>
@@ -1233,7 +1240,7 @@
           <a:p>
             <a:fld id="{32DCAE14-56B8-437E-AA9D-EFB640C0878B}" type="datetimeFigureOut">
               <a:rPr kumimoji="1" lang="ja-JP" altLang="en-US" smtClean="0"/>
-              <a:t>2019/11/10</a:t>
+              <a:t>2019/11/13</a:t>
             </a:fld>
             <a:endParaRPr kumimoji="1" lang="ja-JP" altLang="en-US"/>
           </a:p>
@@ -1562,7 +1569,7 @@
           <a:p>
             <a:fld id="{32DCAE14-56B8-437E-AA9D-EFB640C0878B}" type="datetimeFigureOut">
               <a:rPr kumimoji="1" lang="ja-JP" altLang="en-US" smtClean="0"/>
-              <a:t>2019/11/10</a:t>
+              <a:t>2019/11/13</a:t>
             </a:fld>
             <a:endParaRPr kumimoji="1" lang="ja-JP" altLang="en-US"/>
           </a:p>
@@ -2038,7 +2045,7 @@
           <a:p>
             <a:fld id="{32DCAE14-56B8-437E-AA9D-EFB640C0878B}" type="datetimeFigureOut">
               <a:rPr kumimoji="1" lang="ja-JP" altLang="en-US" smtClean="0"/>
-              <a:t>2019/11/10</a:t>
+              <a:t>2019/11/13</a:t>
             </a:fld>
             <a:endParaRPr kumimoji="1" lang="ja-JP" altLang="en-US"/>
           </a:p>
@@ -2179,7 +2186,7 @@
           <a:p>
             <a:fld id="{32DCAE14-56B8-437E-AA9D-EFB640C0878B}" type="datetimeFigureOut">
               <a:rPr kumimoji="1" lang="ja-JP" altLang="en-US" smtClean="0"/>
-              <a:t>2019/11/10</a:t>
+              <a:t>2019/11/13</a:t>
             </a:fld>
             <a:endParaRPr kumimoji="1" lang="ja-JP" altLang="en-US"/>
           </a:p>
@@ -2292,7 +2299,7 @@
           <a:p>
             <a:fld id="{32DCAE14-56B8-437E-AA9D-EFB640C0878B}" type="datetimeFigureOut">
               <a:rPr kumimoji="1" lang="ja-JP" altLang="en-US" smtClean="0"/>
-              <a:t>2019/11/10</a:t>
+              <a:t>2019/11/13</a:t>
             </a:fld>
             <a:endParaRPr kumimoji="1" lang="ja-JP" altLang="en-US"/>
           </a:p>
@@ -2635,7 +2642,7 @@
           <a:p>
             <a:fld id="{32DCAE14-56B8-437E-AA9D-EFB640C0878B}" type="datetimeFigureOut">
               <a:rPr kumimoji="1" lang="ja-JP" altLang="en-US" smtClean="0"/>
-              <a:t>2019/11/10</a:t>
+              <a:t>2019/11/13</a:t>
             </a:fld>
             <a:endParaRPr kumimoji="1" lang="ja-JP" altLang="en-US"/>
           </a:p>
@@ -2923,7 +2930,7 @@
           <a:p>
             <a:fld id="{32DCAE14-56B8-437E-AA9D-EFB640C0878B}" type="datetimeFigureOut">
               <a:rPr kumimoji="1" lang="ja-JP" altLang="en-US" smtClean="0"/>
-              <a:t>2019/11/10</a:t>
+              <a:t>2019/11/13</a:t>
             </a:fld>
             <a:endParaRPr kumimoji="1" lang="ja-JP" altLang="en-US"/>
           </a:p>
@@ -3196,7 +3203,7 @@
           <a:p>
             <a:fld id="{32DCAE14-56B8-437E-AA9D-EFB640C0878B}" type="datetimeFigureOut">
               <a:rPr kumimoji="1" lang="ja-JP" altLang="en-US" smtClean="0"/>
-              <a:t>2019/11/10</a:t>
+              <a:t>2019/11/13</a:t>
             </a:fld>
             <a:endParaRPr kumimoji="1" lang="ja-JP" altLang="en-US"/>
           </a:p>
@@ -5374,6 +5381,366 @@
 </p:sld>
 </file>
 
+<file path=ppt/slides/slide6.xml><?xml version="1.0" encoding="utf-8"?>
+<p:sld xmlns:a="http://schemas.openxmlformats.org/drawingml/2006/main" xmlns:r="http://schemas.openxmlformats.org/officeDocument/2006/relationships" xmlns:p="http://schemas.openxmlformats.org/presentationml/2006/main">
+  <p:cSld>
+    <p:spTree>
+      <p:nvGrpSpPr>
+        <p:cNvPr id="1" name=""/>
+        <p:cNvGrpSpPr/>
+        <p:nvPr/>
+      </p:nvGrpSpPr>
+      <p:grpSpPr>
+        <a:xfrm>
+          <a:off x="0" y="0"/>
+          <a:ext cx="0" cy="0"/>
+          <a:chOff x="0" y="0"/>
+          <a:chExt cx="0" cy="0"/>
+        </a:xfrm>
+      </p:grpSpPr>
+    </p:spTree>
+    <p:extLst>
+      <p:ext uri="{BB962C8B-B14F-4D97-AF65-F5344CB8AC3E}">
+        <p14:creationId xmlns:p14="http://schemas.microsoft.com/office/powerpoint/2010/main" val="3038586884"/>
+      </p:ext>
+    </p:extLst>
+  </p:cSld>
+  <p:clrMapOvr>
+    <a:masterClrMapping/>
+  </p:clrMapOvr>
+</p:sld>
+</file>
+
+<file path=ppt/slides/slide7.xml><?xml version="1.0" encoding="utf-8"?>
+<p:sld xmlns:a="http://schemas.openxmlformats.org/drawingml/2006/main" xmlns:r="http://schemas.openxmlformats.org/officeDocument/2006/relationships" xmlns:p="http://schemas.openxmlformats.org/presentationml/2006/main">
+  <p:cSld>
+    <p:spTree>
+      <p:nvGrpSpPr>
+        <p:cNvPr id="1" name=""/>
+        <p:cNvGrpSpPr/>
+        <p:nvPr/>
+      </p:nvGrpSpPr>
+      <p:grpSpPr>
+        <a:xfrm>
+          <a:off x="0" y="0"/>
+          <a:ext cx="0" cy="0"/>
+          <a:chOff x="0" y="0"/>
+          <a:chExt cx="0" cy="0"/>
+        </a:xfrm>
+      </p:grpSpPr>
+      <p:pic>
+        <p:nvPicPr>
+          <p:cNvPr id="2" name="図 1">
+            <a:extLst>
+              <a:ext uri="{FF2B5EF4-FFF2-40B4-BE49-F238E27FC236}">
+                <a16:creationId xmlns:a16="http://schemas.microsoft.com/office/drawing/2014/main" id="{C0947DB4-06B8-405C-8D23-E93815B67A88}"/>
+              </a:ext>
+            </a:extLst>
+          </p:cNvPr>
+          <p:cNvPicPr>
+            <a:picLocks noChangeAspect="1"/>
+          </p:cNvPicPr>
+          <p:nvPr/>
+        </p:nvPicPr>
+        <p:blipFill>
+          <a:blip r:embed="rId2"/>
+          <a:stretch>
+            <a:fillRect/>
+          </a:stretch>
+        </p:blipFill>
+        <p:spPr>
+          <a:xfrm>
+            <a:off x="915529" y="0"/>
+            <a:ext cx="10360941" cy="6858000"/>
+          </a:xfrm>
+          <a:prstGeom prst="rect">
+            <a:avLst/>
+          </a:prstGeom>
+        </p:spPr>
+      </p:pic>
+      <p:cxnSp>
+        <p:nvCxnSpPr>
+          <p:cNvPr id="3" name="直線コネクタ 2">
+            <a:extLst>
+              <a:ext uri="{FF2B5EF4-FFF2-40B4-BE49-F238E27FC236}">
+                <a16:creationId xmlns:a16="http://schemas.microsoft.com/office/drawing/2014/main" id="{891F0A24-5163-4E81-B0EB-3BF088BEA06F}"/>
+              </a:ext>
+            </a:extLst>
+          </p:cNvPr>
+          <p:cNvCxnSpPr>
+            <a:cxnSpLocks/>
+          </p:cNvCxnSpPr>
+          <p:nvPr/>
+        </p:nvCxnSpPr>
+        <p:spPr>
+          <a:xfrm>
+            <a:off x="1297679" y="4816813"/>
+            <a:ext cx="491864" cy="0"/>
+          </a:xfrm>
+          <a:prstGeom prst="line">
+            <a:avLst/>
+          </a:prstGeom>
+          <a:ln w="38100">
+            <a:solidFill>
+              <a:srgbClr val="FF0000"/>
+            </a:solidFill>
+          </a:ln>
+        </p:spPr>
+        <p:style>
+          <a:lnRef idx="1">
+            <a:schemeClr val="accent1"/>
+          </a:lnRef>
+          <a:fillRef idx="0">
+            <a:schemeClr val="accent1"/>
+          </a:fillRef>
+          <a:effectRef idx="0">
+            <a:schemeClr val="accent1"/>
+          </a:effectRef>
+          <a:fontRef idx="minor">
+            <a:schemeClr val="tx1"/>
+          </a:fontRef>
+        </p:style>
+      </p:cxnSp>
+      <p:sp>
+        <p:nvSpPr>
+          <p:cNvPr id="4" name="テキスト ボックス 3">
+            <a:extLst>
+              <a:ext uri="{FF2B5EF4-FFF2-40B4-BE49-F238E27FC236}">
+                <a16:creationId xmlns:a16="http://schemas.microsoft.com/office/drawing/2014/main" id="{503FA75D-59D3-4F75-8DAC-03BF4C151D7C}"/>
+              </a:ext>
+            </a:extLst>
+          </p:cNvPr>
+          <p:cNvSpPr txBox="1"/>
+          <p:nvPr/>
+        </p:nvSpPr>
+        <p:spPr>
+          <a:xfrm>
+            <a:off x="915529" y="4525556"/>
+            <a:ext cx="360000" cy="360000"/>
+          </a:xfrm>
+          <a:prstGeom prst="ellipse">
+            <a:avLst/>
+          </a:prstGeom>
+          <a:solidFill>
+            <a:srgbClr val="FF0000"/>
+          </a:solidFill>
+        </p:spPr>
+        <p:txBody>
+          <a:bodyPr wrap="none" rtlCol="0" anchor="ctr">
+            <a:noAutofit/>
+          </a:bodyPr>
+          <a:lstStyle/>
+          <a:p>
+            <a:pPr algn="ctr"/>
+            <a:r>
+              <a:rPr kumimoji="1" lang="en-US" altLang="ja-JP" b="1">
+                <a:solidFill>
+                  <a:schemeClr val="bg1"/>
+                </a:solidFill>
+              </a:rPr>
+              <a:t>1</a:t>
+            </a:r>
+            <a:endParaRPr kumimoji="1" lang="ja-JP" altLang="en-US" b="1">
+              <a:solidFill>
+                <a:schemeClr val="bg1"/>
+              </a:solidFill>
+            </a:endParaRPr>
+          </a:p>
+        </p:txBody>
+      </p:sp>
+      <p:cxnSp>
+        <p:nvCxnSpPr>
+          <p:cNvPr id="5" name="直線コネクタ 4">
+            <a:extLst>
+              <a:ext uri="{FF2B5EF4-FFF2-40B4-BE49-F238E27FC236}">
+                <a16:creationId xmlns:a16="http://schemas.microsoft.com/office/drawing/2014/main" id="{7931C0C8-90BE-4125-AC62-516D3A1FE785}"/>
+              </a:ext>
+            </a:extLst>
+          </p:cNvPr>
+          <p:cNvCxnSpPr>
+            <a:cxnSpLocks/>
+          </p:cNvCxnSpPr>
+          <p:nvPr/>
+        </p:nvCxnSpPr>
+        <p:spPr>
+          <a:xfrm>
+            <a:off x="2928175" y="1853276"/>
+            <a:ext cx="1511623" cy="0"/>
+          </a:xfrm>
+          <a:prstGeom prst="line">
+            <a:avLst/>
+          </a:prstGeom>
+          <a:ln w="38100">
+            <a:solidFill>
+              <a:srgbClr val="FF0000"/>
+            </a:solidFill>
+          </a:ln>
+        </p:spPr>
+        <p:style>
+          <a:lnRef idx="1">
+            <a:schemeClr val="accent1"/>
+          </a:lnRef>
+          <a:fillRef idx="0">
+            <a:schemeClr val="accent1"/>
+          </a:fillRef>
+          <a:effectRef idx="0">
+            <a:schemeClr val="accent1"/>
+          </a:effectRef>
+          <a:fontRef idx="minor">
+            <a:schemeClr val="tx1"/>
+          </a:fontRef>
+        </p:style>
+      </p:cxnSp>
+      <p:sp>
+        <p:nvSpPr>
+          <p:cNvPr id="6" name="テキスト ボックス 5">
+            <a:extLst>
+              <a:ext uri="{FF2B5EF4-FFF2-40B4-BE49-F238E27FC236}">
+                <a16:creationId xmlns:a16="http://schemas.microsoft.com/office/drawing/2014/main" id="{D34847F5-B829-42CC-9F80-496E39606111}"/>
+              </a:ext>
+            </a:extLst>
+          </p:cNvPr>
+          <p:cNvSpPr txBox="1"/>
+          <p:nvPr/>
+        </p:nvSpPr>
+        <p:spPr>
+          <a:xfrm>
+            <a:off x="2546025" y="1562019"/>
+            <a:ext cx="360000" cy="360000"/>
+          </a:xfrm>
+          <a:prstGeom prst="ellipse">
+            <a:avLst/>
+          </a:prstGeom>
+          <a:solidFill>
+            <a:srgbClr val="FF0000"/>
+          </a:solidFill>
+        </p:spPr>
+        <p:txBody>
+          <a:bodyPr wrap="none" rtlCol="0" anchor="ctr">
+            <a:noAutofit/>
+          </a:bodyPr>
+          <a:lstStyle/>
+          <a:p>
+            <a:pPr algn="ctr"/>
+            <a:r>
+              <a:rPr kumimoji="1" lang="en-US" altLang="ja-JP" b="1">
+                <a:solidFill>
+                  <a:schemeClr val="bg1"/>
+                </a:solidFill>
+              </a:rPr>
+              <a:t>2</a:t>
+            </a:r>
+            <a:endParaRPr kumimoji="1" lang="ja-JP" altLang="en-US" b="1">
+              <a:solidFill>
+                <a:schemeClr val="bg1"/>
+              </a:solidFill>
+            </a:endParaRPr>
+          </a:p>
+        </p:txBody>
+      </p:sp>
+      <p:cxnSp>
+        <p:nvCxnSpPr>
+          <p:cNvPr id="8" name="直線コネクタ 7">
+            <a:extLst>
+              <a:ext uri="{FF2B5EF4-FFF2-40B4-BE49-F238E27FC236}">
+                <a16:creationId xmlns:a16="http://schemas.microsoft.com/office/drawing/2014/main" id="{B5921497-B009-4C0C-8FB3-7E9C5E7DC872}"/>
+              </a:ext>
+            </a:extLst>
+          </p:cNvPr>
+          <p:cNvCxnSpPr>
+            <a:cxnSpLocks/>
+          </p:cNvCxnSpPr>
+          <p:nvPr/>
+        </p:nvCxnSpPr>
+        <p:spPr>
+          <a:xfrm>
+            <a:off x="5671375" y="6601546"/>
+            <a:ext cx="784509" cy="0"/>
+          </a:xfrm>
+          <a:prstGeom prst="line">
+            <a:avLst/>
+          </a:prstGeom>
+          <a:ln w="38100">
+            <a:solidFill>
+              <a:srgbClr val="FF0000"/>
+            </a:solidFill>
+          </a:ln>
+        </p:spPr>
+        <p:style>
+          <a:lnRef idx="1">
+            <a:schemeClr val="accent1"/>
+          </a:lnRef>
+          <a:fillRef idx="0">
+            <a:schemeClr val="accent1"/>
+          </a:fillRef>
+          <a:effectRef idx="0">
+            <a:schemeClr val="accent1"/>
+          </a:effectRef>
+          <a:fontRef idx="minor">
+            <a:schemeClr val="tx1"/>
+          </a:fontRef>
+        </p:style>
+      </p:cxnSp>
+      <p:sp>
+        <p:nvSpPr>
+          <p:cNvPr id="9" name="テキスト ボックス 8">
+            <a:extLst>
+              <a:ext uri="{FF2B5EF4-FFF2-40B4-BE49-F238E27FC236}">
+                <a16:creationId xmlns:a16="http://schemas.microsoft.com/office/drawing/2014/main" id="{C9498637-1FBE-4E30-97CA-1A638F6AE3E1}"/>
+              </a:ext>
+            </a:extLst>
+          </p:cNvPr>
+          <p:cNvSpPr txBox="1"/>
+          <p:nvPr/>
+        </p:nvSpPr>
+        <p:spPr>
+          <a:xfrm>
+            <a:off x="5289225" y="6310289"/>
+            <a:ext cx="360000" cy="360000"/>
+          </a:xfrm>
+          <a:prstGeom prst="ellipse">
+            <a:avLst/>
+          </a:prstGeom>
+          <a:solidFill>
+            <a:srgbClr val="FF0000"/>
+          </a:solidFill>
+        </p:spPr>
+        <p:txBody>
+          <a:bodyPr wrap="none" rtlCol="0" anchor="ctr">
+            <a:noAutofit/>
+          </a:bodyPr>
+          <a:lstStyle/>
+          <a:p>
+            <a:pPr algn="ctr"/>
+            <a:r>
+              <a:rPr kumimoji="1" lang="en-US" altLang="ja-JP" b="1">
+                <a:solidFill>
+                  <a:schemeClr val="bg1"/>
+                </a:solidFill>
+              </a:rPr>
+              <a:t>3</a:t>
+            </a:r>
+            <a:endParaRPr kumimoji="1" lang="ja-JP" altLang="en-US" b="1">
+              <a:solidFill>
+                <a:schemeClr val="bg1"/>
+              </a:solidFill>
+            </a:endParaRPr>
+          </a:p>
+        </p:txBody>
+      </p:sp>
+    </p:spTree>
+    <p:extLst>
+      <p:ext uri="{BB962C8B-B14F-4D97-AF65-F5344CB8AC3E}">
+        <p14:creationId xmlns:p14="http://schemas.microsoft.com/office/powerpoint/2010/main" val="3675933560"/>
+      </p:ext>
+    </p:extLst>
+  </p:cSld>
+  <p:clrMapOvr>
+    <a:masterClrMapping/>
+  </p:clrMapOvr>
+</p:sld>
+</file>
+
 <file path=ppt/theme/theme1.xml><?xml version="1.0" encoding="utf-8"?>
 <a:theme xmlns:a="http://schemas.openxmlformats.org/drawingml/2006/main" name="Office テーマ">
   <a:themeElements>
